--- a/Figs/Fig 6.pptx
+++ b/Figs/Fig 6.pptx
@@ -197,7 +197,7 @@
           <a:p>
             <a:fld id="{5B90AFD6-D414-914E-91D9-BE399BF7E284}" type="datetimeFigureOut">
               <a:rPr lang="en-GB" smtClean="0"/>
-              <a:t>16/11/2022</a:t>
+              <a:t>26/11/2022</a:t>
             </a:fld>
             <a:endParaRPr lang="en-GB"/>
           </a:p>
@@ -684,7 +684,7 @@
           <a:p>
             <a:fld id="{D6E15244-DF10-C54C-80B4-2BA48BDAEEC4}" type="datetimeFigureOut">
               <a:rPr lang="en-GB" smtClean="0"/>
-              <a:t>16/11/2022</a:t>
+              <a:t>26/11/2022</a:t>
             </a:fld>
             <a:endParaRPr lang="en-GB"/>
           </a:p>
@@ -854,7 +854,7 @@
           <a:p>
             <a:fld id="{D6E15244-DF10-C54C-80B4-2BA48BDAEEC4}" type="datetimeFigureOut">
               <a:rPr lang="en-GB" smtClean="0"/>
-              <a:t>16/11/2022</a:t>
+              <a:t>26/11/2022</a:t>
             </a:fld>
             <a:endParaRPr lang="en-GB"/>
           </a:p>
@@ -1034,7 +1034,7 @@
           <a:p>
             <a:fld id="{D6E15244-DF10-C54C-80B4-2BA48BDAEEC4}" type="datetimeFigureOut">
               <a:rPr lang="en-GB" smtClean="0"/>
-              <a:t>16/11/2022</a:t>
+              <a:t>26/11/2022</a:t>
             </a:fld>
             <a:endParaRPr lang="en-GB"/>
           </a:p>
@@ -1204,7 +1204,7 @@
           <a:p>
             <a:fld id="{D6E15244-DF10-C54C-80B4-2BA48BDAEEC4}" type="datetimeFigureOut">
               <a:rPr lang="en-GB" smtClean="0"/>
-              <a:t>16/11/2022</a:t>
+              <a:t>26/11/2022</a:t>
             </a:fld>
             <a:endParaRPr lang="en-GB"/>
           </a:p>
@@ -1450,7 +1450,7 @@
           <a:p>
             <a:fld id="{D6E15244-DF10-C54C-80B4-2BA48BDAEEC4}" type="datetimeFigureOut">
               <a:rPr lang="en-GB" smtClean="0"/>
-              <a:t>16/11/2022</a:t>
+              <a:t>26/11/2022</a:t>
             </a:fld>
             <a:endParaRPr lang="en-GB"/>
           </a:p>
@@ -1682,7 +1682,7 @@
           <a:p>
             <a:fld id="{D6E15244-DF10-C54C-80B4-2BA48BDAEEC4}" type="datetimeFigureOut">
               <a:rPr lang="en-GB" smtClean="0"/>
-              <a:t>16/11/2022</a:t>
+              <a:t>26/11/2022</a:t>
             </a:fld>
             <a:endParaRPr lang="en-GB"/>
           </a:p>
@@ -2049,7 +2049,7 @@
           <a:p>
             <a:fld id="{D6E15244-DF10-C54C-80B4-2BA48BDAEEC4}" type="datetimeFigureOut">
               <a:rPr lang="en-GB" smtClean="0"/>
-              <a:t>16/11/2022</a:t>
+              <a:t>26/11/2022</a:t>
             </a:fld>
             <a:endParaRPr lang="en-GB"/>
           </a:p>
@@ -2167,7 +2167,7 @@
           <a:p>
             <a:fld id="{D6E15244-DF10-C54C-80B4-2BA48BDAEEC4}" type="datetimeFigureOut">
               <a:rPr lang="en-GB" smtClean="0"/>
-              <a:t>16/11/2022</a:t>
+              <a:t>26/11/2022</a:t>
             </a:fld>
             <a:endParaRPr lang="en-GB"/>
           </a:p>
@@ -2262,7 +2262,7 @@
           <a:p>
             <a:fld id="{D6E15244-DF10-C54C-80B4-2BA48BDAEEC4}" type="datetimeFigureOut">
               <a:rPr lang="en-GB" smtClean="0"/>
-              <a:t>16/11/2022</a:t>
+              <a:t>26/11/2022</a:t>
             </a:fld>
             <a:endParaRPr lang="en-GB"/>
           </a:p>
@@ -2539,7 +2539,7 @@
           <a:p>
             <a:fld id="{D6E15244-DF10-C54C-80B4-2BA48BDAEEC4}" type="datetimeFigureOut">
               <a:rPr lang="en-GB" smtClean="0"/>
-              <a:t>16/11/2022</a:t>
+              <a:t>26/11/2022</a:t>
             </a:fld>
             <a:endParaRPr lang="en-GB"/>
           </a:p>
@@ -2796,7 +2796,7 @@
           <a:p>
             <a:fld id="{D6E15244-DF10-C54C-80B4-2BA48BDAEEC4}" type="datetimeFigureOut">
               <a:rPr lang="en-GB" smtClean="0"/>
-              <a:t>16/11/2022</a:t>
+              <a:t>26/11/2022</a:t>
             </a:fld>
             <a:endParaRPr lang="en-GB"/>
           </a:p>
@@ -3009,7 +3009,7 @@
           <a:p>
             <a:fld id="{D6E15244-DF10-C54C-80B4-2BA48BDAEEC4}" type="datetimeFigureOut">
               <a:rPr lang="en-GB" smtClean="0"/>
-              <a:t>16/11/2022</a:t>
+              <a:t>26/11/2022</a:t>
             </a:fld>
             <a:endParaRPr lang="en-GB"/>
           </a:p>
@@ -5219,8 +5219,8 @@
           </p:nvSpPr>
           <p:spPr>
             <a:xfrm>
-              <a:off x="8772487" y="188057"/>
-              <a:ext cx="977091" cy="246221"/>
+              <a:off x="8739765" y="188057"/>
+              <a:ext cx="1009814" cy="245435"/>
             </a:xfrm>
             <a:prstGeom prst="rect">
               <a:avLst/>
@@ -5257,8 +5257,8 @@
           </p:nvSpPr>
           <p:spPr>
             <a:xfrm>
-              <a:off x="8793236" y="433495"/>
-              <a:ext cx="1025520" cy="246221"/>
+              <a:off x="8736488" y="433495"/>
+              <a:ext cx="1082268" cy="246221"/>
             </a:xfrm>
             <a:prstGeom prst="rect">
               <a:avLst/>
@@ -5302,7 +5302,11 @@
               <a:avLst/>
             </a:prstGeom>
             <a:noFill/>
-            <a:ln w="6350"/>
+            <a:ln w="6350">
+              <a:solidFill>
+                <a:schemeClr val="tx1"/>
+              </a:solidFill>
+            </a:ln>
           </p:spPr>
           <p:style>
             <a:lnRef idx="2">
@@ -5330,6 +5334,341 @@
           </p:txBody>
         </p:sp>
       </p:grpSp>
+      <p:grpSp>
+        <p:nvGrpSpPr>
+          <p:cNvPr id="3" name="Group 2">
+            <a:extLst>
+              <a:ext uri="{FF2B5EF4-FFF2-40B4-BE49-F238E27FC236}">
+                <a16:creationId xmlns:a16="http://schemas.microsoft.com/office/drawing/2014/main" id="{EABE6176-594E-5109-CF0C-BF25EE589475}"/>
+              </a:ext>
+            </a:extLst>
+          </p:cNvPr>
+          <p:cNvGrpSpPr/>
+          <p:nvPr/>
+        </p:nvGrpSpPr>
+        <p:grpSpPr>
+          <a:xfrm>
+            <a:off x="8601187" y="3065848"/>
+            <a:ext cx="1217569" cy="499610"/>
+            <a:chOff x="8601187" y="188057"/>
+            <a:chExt cx="1217569" cy="499610"/>
+          </a:xfrm>
+        </p:grpSpPr>
+        <p:cxnSp>
+          <p:nvCxnSpPr>
+            <p:cNvPr id="7" name="Straight Connector 6">
+              <a:extLst>
+                <a:ext uri="{FF2B5EF4-FFF2-40B4-BE49-F238E27FC236}">
+                  <a16:creationId xmlns:a16="http://schemas.microsoft.com/office/drawing/2014/main" id="{C814510A-BAFA-D6D1-3E1E-3DCBB352A8E7}"/>
+                </a:ext>
+              </a:extLst>
+            </p:cNvPr>
+            <p:cNvCxnSpPr/>
+            <p:nvPr/>
+          </p:nvCxnSpPr>
+          <p:spPr>
+            <a:xfrm>
+              <a:off x="8700488" y="224589"/>
+              <a:ext cx="0" cy="180000"/>
+            </a:xfrm>
+            <a:prstGeom prst="line">
+              <a:avLst/>
+            </a:prstGeom>
+            <a:ln w="12700">
+              <a:solidFill>
+                <a:srgbClr val="29A72A"/>
+              </a:solidFill>
+            </a:ln>
+          </p:spPr>
+          <p:style>
+            <a:lnRef idx="1">
+              <a:schemeClr val="accent1"/>
+            </a:lnRef>
+            <a:fillRef idx="0">
+              <a:schemeClr val="accent1"/>
+            </a:fillRef>
+            <a:effectRef idx="0">
+              <a:schemeClr val="accent1"/>
+            </a:effectRef>
+            <a:fontRef idx="minor">
+              <a:schemeClr val="tx1"/>
+            </a:fontRef>
+          </p:style>
+        </p:cxnSp>
+        <p:cxnSp>
+          <p:nvCxnSpPr>
+            <p:cNvPr id="8" name="Straight Connector 7">
+              <a:extLst>
+                <a:ext uri="{FF2B5EF4-FFF2-40B4-BE49-F238E27FC236}">
+                  <a16:creationId xmlns:a16="http://schemas.microsoft.com/office/drawing/2014/main" id="{40AA5C37-D853-6FAE-ED8D-56C836CE95B3}"/>
+                </a:ext>
+              </a:extLst>
+            </p:cNvPr>
+            <p:cNvCxnSpPr/>
+            <p:nvPr/>
+          </p:nvCxnSpPr>
+          <p:spPr>
+            <a:xfrm>
+              <a:off x="8697211" y="469064"/>
+              <a:ext cx="0" cy="180000"/>
+            </a:xfrm>
+            <a:prstGeom prst="line">
+              <a:avLst/>
+            </a:prstGeom>
+            <a:ln w="12700">
+              <a:solidFill>
+                <a:srgbClr val="A629A4"/>
+              </a:solidFill>
+            </a:ln>
+          </p:spPr>
+          <p:style>
+            <a:lnRef idx="1">
+              <a:schemeClr val="accent1"/>
+            </a:lnRef>
+            <a:fillRef idx="0">
+              <a:schemeClr val="accent1"/>
+            </a:fillRef>
+            <a:effectRef idx="0">
+              <a:schemeClr val="accent1"/>
+            </a:effectRef>
+            <a:fontRef idx="minor">
+              <a:schemeClr val="tx1"/>
+            </a:fontRef>
+          </p:style>
+        </p:cxnSp>
+        <p:sp>
+          <p:nvSpPr>
+            <p:cNvPr id="5" name="Oval 4">
+              <a:extLst>
+                <a:ext uri="{FF2B5EF4-FFF2-40B4-BE49-F238E27FC236}">
+                  <a16:creationId xmlns:a16="http://schemas.microsoft.com/office/drawing/2014/main" id="{4CBD9419-40AE-5086-1827-0FDEB12EF894}"/>
+                </a:ext>
+              </a:extLst>
+            </p:cNvPr>
+            <p:cNvSpPr/>
+            <p:nvPr/>
+          </p:nvSpPr>
+          <p:spPr>
+            <a:xfrm>
+              <a:off x="8664488" y="278589"/>
+              <a:ext cx="72000" cy="72000"/>
+            </a:xfrm>
+            <a:prstGeom prst="ellipse">
+              <a:avLst/>
+            </a:prstGeom>
+            <a:solidFill>
+              <a:srgbClr val="29A72A"/>
+            </a:solidFill>
+            <a:ln>
+              <a:noFill/>
+            </a:ln>
+          </p:spPr>
+          <p:style>
+            <a:lnRef idx="2">
+              <a:schemeClr val="accent1">
+                <a:shade val="50000"/>
+              </a:schemeClr>
+            </a:lnRef>
+            <a:fillRef idx="1">
+              <a:schemeClr val="accent1"/>
+            </a:fillRef>
+            <a:effectRef idx="0">
+              <a:schemeClr val="accent1"/>
+            </a:effectRef>
+            <a:fontRef idx="minor">
+              <a:schemeClr val="lt1"/>
+            </a:fontRef>
+          </p:style>
+          <p:txBody>
+            <a:bodyPr rtlCol="0" anchor="ctr"/>
+            <a:lstStyle/>
+            <a:p>
+              <a:pPr algn="ctr"/>
+              <a:endParaRPr lang="en-GB"/>
+            </a:p>
+          </p:txBody>
+        </p:sp>
+        <p:sp>
+          <p:nvSpPr>
+            <p:cNvPr id="9" name="TextBox 8">
+              <a:extLst>
+                <a:ext uri="{FF2B5EF4-FFF2-40B4-BE49-F238E27FC236}">
+                  <a16:creationId xmlns:a16="http://schemas.microsoft.com/office/drawing/2014/main" id="{7868D35D-AD8F-F492-C260-9E395F60926B}"/>
+                </a:ext>
+              </a:extLst>
+            </p:cNvPr>
+            <p:cNvSpPr txBox="1"/>
+            <p:nvPr/>
+          </p:nvSpPr>
+          <p:spPr>
+            <a:xfrm>
+              <a:off x="8732287" y="188057"/>
+              <a:ext cx="1017291" cy="246221"/>
+            </a:xfrm>
+            <a:prstGeom prst="rect">
+              <a:avLst/>
+            </a:prstGeom>
+            <a:noFill/>
+          </p:spPr>
+          <p:txBody>
+            <a:bodyPr wrap="square" rtlCol="0">
+              <a:spAutoFit/>
+            </a:bodyPr>
+            <a:lstStyle/>
+            <a:p>
+              <a:r>
+                <a:rPr lang="en-GB" sz="1000" b="1" dirty="0">
+                  <a:latin typeface="Arial" panose="020B0604020202020204" pitchFamily="34" charset="0"/>
+                  <a:cs typeface="Arial" panose="020B0604020202020204" pitchFamily="34" charset="0"/>
+                </a:rPr>
+                <a:t>Forest</a:t>
+              </a:r>
+            </a:p>
+          </p:txBody>
+        </p:sp>
+        <p:sp>
+          <p:nvSpPr>
+            <p:cNvPr id="10" name="TextBox 9">
+              <a:extLst>
+                <a:ext uri="{FF2B5EF4-FFF2-40B4-BE49-F238E27FC236}">
+                  <a16:creationId xmlns:a16="http://schemas.microsoft.com/office/drawing/2014/main" id="{9ECD97AD-2408-07F4-5984-B74C50E1079C}"/>
+                </a:ext>
+              </a:extLst>
+            </p:cNvPr>
+            <p:cNvSpPr txBox="1"/>
+            <p:nvPr/>
+          </p:nvSpPr>
+          <p:spPr>
+            <a:xfrm>
+              <a:off x="8732290" y="433495"/>
+              <a:ext cx="1086466" cy="246221"/>
+            </a:xfrm>
+            <a:prstGeom prst="rect">
+              <a:avLst/>
+            </a:prstGeom>
+            <a:noFill/>
+          </p:spPr>
+          <p:txBody>
+            <a:bodyPr wrap="square" rtlCol="0">
+              <a:spAutoFit/>
+            </a:bodyPr>
+            <a:lstStyle/>
+            <a:p>
+              <a:r>
+                <a:rPr lang="en-GB" sz="1000" b="1" dirty="0">
+                  <a:latin typeface="Arial" panose="020B0604020202020204" pitchFamily="34" charset="0"/>
+                  <a:cs typeface="Arial" panose="020B0604020202020204" pitchFamily="34" charset="0"/>
+                </a:rPr>
+                <a:t>Developed</a:t>
+              </a:r>
+            </a:p>
+          </p:txBody>
+        </p:sp>
+        <p:sp>
+          <p:nvSpPr>
+            <p:cNvPr id="11" name="Rectangle 10">
+              <a:extLst>
+                <a:ext uri="{FF2B5EF4-FFF2-40B4-BE49-F238E27FC236}">
+                  <a16:creationId xmlns:a16="http://schemas.microsoft.com/office/drawing/2014/main" id="{521198D8-468E-908F-C312-A15B620883A5}"/>
+                </a:ext>
+              </a:extLst>
+            </p:cNvPr>
+            <p:cNvSpPr/>
+            <p:nvPr/>
+          </p:nvSpPr>
+          <p:spPr>
+            <a:xfrm>
+              <a:off x="8601187" y="188057"/>
+              <a:ext cx="954323" cy="499610"/>
+            </a:xfrm>
+            <a:prstGeom prst="rect">
+              <a:avLst/>
+            </a:prstGeom>
+            <a:noFill/>
+            <a:ln w="6350">
+              <a:solidFill>
+                <a:schemeClr val="tx1"/>
+              </a:solidFill>
+            </a:ln>
+          </p:spPr>
+          <p:style>
+            <a:lnRef idx="2">
+              <a:schemeClr val="accent1">
+                <a:shade val="50000"/>
+              </a:schemeClr>
+            </a:lnRef>
+            <a:fillRef idx="1">
+              <a:schemeClr val="accent1"/>
+            </a:fillRef>
+            <a:effectRef idx="0">
+              <a:schemeClr val="accent1"/>
+            </a:effectRef>
+            <a:fontRef idx="minor">
+              <a:schemeClr val="lt1"/>
+            </a:fontRef>
+          </p:style>
+          <p:txBody>
+            <a:bodyPr rtlCol="0" anchor="ctr"/>
+            <a:lstStyle/>
+            <a:p>
+              <a:pPr algn="ctr"/>
+              <a:endParaRPr lang="en-GB"/>
+            </a:p>
+          </p:txBody>
+        </p:sp>
+      </p:grpSp>
+      <p:sp>
+        <p:nvSpPr>
+          <p:cNvPr id="12" name="Oval 11">
+            <a:extLst>
+              <a:ext uri="{FF2B5EF4-FFF2-40B4-BE49-F238E27FC236}">
+                <a16:creationId xmlns:a16="http://schemas.microsoft.com/office/drawing/2014/main" id="{5AD1F722-9FF3-5F8E-677D-79A0D2D43905}"/>
+              </a:ext>
+            </a:extLst>
+          </p:cNvPr>
+          <p:cNvSpPr/>
+          <p:nvPr/>
+        </p:nvSpPr>
+        <p:spPr>
+          <a:xfrm>
+            <a:off x="8660290" y="3400855"/>
+            <a:ext cx="72000" cy="72000"/>
+          </a:xfrm>
+          <a:prstGeom prst="ellipse">
+            <a:avLst/>
+          </a:prstGeom>
+          <a:solidFill>
+            <a:srgbClr val="A629A4"/>
+          </a:solidFill>
+          <a:ln>
+            <a:noFill/>
+          </a:ln>
+        </p:spPr>
+        <p:style>
+          <a:lnRef idx="2">
+            <a:schemeClr val="accent1">
+              <a:shade val="50000"/>
+            </a:schemeClr>
+          </a:lnRef>
+          <a:fillRef idx="1">
+            <a:schemeClr val="accent1"/>
+          </a:fillRef>
+          <a:effectRef idx="0">
+            <a:schemeClr val="accent1"/>
+          </a:effectRef>
+          <a:fontRef idx="minor">
+            <a:schemeClr val="lt1"/>
+          </a:fontRef>
+        </p:style>
+        <p:txBody>
+          <a:bodyPr rtlCol="0" anchor="ctr"/>
+          <a:lstStyle/>
+          <a:p>
+            <a:pPr algn="ctr"/>
+            <a:endParaRPr lang="en-GB"/>
+          </a:p>
+        </p:txBody>
+      </p:sp>
     </p:spTree>
     <p:extLst>
       <p:ext uri="{BB962C8B-B14F-4D97-AF65-F5344CB8AC3E}">
